--- a/Programacion web extendido/PW_Sesión17.pptx
+++ b/Programacion web extendido/PW_Sesión17.pptx
@@ -219,7 +219,7 @@
           <a:p>
             <a:fld id="{7FF7D7FF-DDC7-474C-8526-899954A31AD1}" type="datetimeFigureOut">
               <a:rPr lang="es-EC" smtClean="0"/>
-              <a:t>2/9/2024</a:t>
+              <a:t>29/9/2024</a:t>
             </a:fld>
             <a:endParaRPr lang="es-EC"/>
           </a:p>
@@ -645,7 +645,7 @@
           <a:p>
             <a:fld id="{8FEB83C7-CE7D-EE43-931B-A983B2AE7CF3}" type="datetimeFigureOut">
               <a:rPr lang="es-EC" smtClean="0"/>
-              <a:t>2/9/2024</a:t>
+              <a:t>29/9/2024</a:t>
             </a:fld>
             <a:endParaRPr lang="es-EC"/>
           </a:p>
@@ -1118,8 +1118,12 @@
           <a:lstStyle/>
           <a:p>
             <a:r>
+              <a:rPr lang="es-419"/>
+              <a:t>Sesión 17: </a:t>
+            </a:r>
+            <a:r>
               <a:rPr lang="es-419" dirty="0"/>
-              <a:t>Sesión 17: Manejo de variables en ambientes web</a:t>
+              <a:t>Manejo de variables en ambientes web</a:t>
             </a:r>
           </a:p>
         </p:txBody>
